--- a/Presentation/G6_presentation_intermediaire_fuchs_butty_rial.pptx
+++ b/Presentation/G6_presentation_intermediaire_fuchs_butty_rial.pptx
@@ -8,16 +8,19 @@
     <p:sldMasterId id="2147483652" r:id="rId4"/>
   </p:sldMasterIdLst>
   <p:notesMasterIdLst>
-    <p:notesMasterId r:id="rId12"/>
+    <p:notesMasterId r:id="rId15"/>
   </p:notesMasterIdLst>
   <p:sldIdLst>
     <p:sldId id="265" r:id="rId5"/>
     <p:sldId id="266" r:id="rId6"/>
     <p:sldId id="270" r:id="rId7"/>
     <p:sldId id="271" r:id="rId8"/>
-    <p:sldId id="267" r:id="rId9"/>
-    <p:sldId id="268" r:id="rId10"/>
-    <p:sldId id="269" r:id="rId11"/>
+    <p:sldId id="272" r:id="rId9"/>
+    <p:sldId id="273" r:id="rId10"/>
+    <p:sldId id="274" r:id="rId11"/>
+    <p:sldId id="267" r:id="rId12"/>
+    <p:sldId id="268" r:id="rId13"/>
+    <p:sldId id="269" r:id="rId14"/>
   </p:sldIdLst>
   <p:sldSz cx="9144000" cy="6858000" type="screen4x3"/>
   <p:notesSz cx="6858000" cy="9144000"/>
@@ -252,7 +255,7 @@
               </a14:hiddenEffects>
             </a:ext>
             <a:ext uri="{FAA26D3D-D897-4be2-8F04-BA451C77F1D7}">
-              <ma14:placeholderFlag xmlns:ma14="http://schemas.microsoft.com/office/mac/drawingml/2011/main" xmlns="" val="1"/>
+              <ma14:placeholderFlag xmlns="" xmlns:ma14="http://schemas.microsoft.com/office/mac/drawingml/2011/main" val="1"/>
             </a:ext>
           </a:extLst>
         </p:spPr>
@@ -310,7 +313,7 @@
               </a14:hiddenEffects>
             </a:ext>
             <a:ext uri="{FAA26D3D-D897-4be2-8F04-BA451C77F1D7}">
-              <ma14:placeholderFlag xmlns:ma14="http://schemas.microsoft.com/office/mac/drawingml/2011/main" xmlns="" val="1"/>
+              <ma14:placeholderFlag xmlns="" xmlns:ma14="http://schemas.microsoft.com/office/mac/drawingml/2011/main" val="1"/>
             </a:ext>
           </a:extLst>
         </p:spPr>
@@ -369,6 +372,11 @@
         </p:txBody>
       </p:sp>
     </p:spTree>
+    <p:extLst>
+      <p:ext uri="{BB962C8B-B14F-4D97-AF65-F5344CB8AC3E}">
+        <p14:creationId xmlns:p14="http://schemas.microsoft.com/office/powerpoint/2010/main" val="3478222561"/>
+      </p:ext>
+    </p:extLst>
   </p:cSld>
   <p:clrMap bg1="lt1" tx1="dk1" bg2="lt2" tx2="dk2" accent1="accent1" accent2="accent2" accent3="accent3" accent4="accent4" accent5="accent5" accent6="accent6" hlink="hlink" folHlink="folHlink"/>
   <p:notesStyle>
@@ -8019,7 +8027,7 @@
               </a14:hiddenEffects>
             </a:ext>
             <a:ext uri="{FAA26D3D-D897-4be2-8F04-BA451C77F1D7}">
-              <ma14:placeholderFlag xmlns:ma14="http://schemas.microsoft.com/office/mac/drawingml/2011/main" xmlns="" val="1"/>
+              <ma14:placeholderFlag xmlns="" xmlns:ma14="http://schemas.microsoft.com/office/mac/drawingml/2011/main" val="1"/>
             </a:ext>
           </a:extLst>
         </p:spPr>
@@ -8092,7 +8100,7 @@
               </a14:hiddenEffects>
             </a:ext>
             <a:ext uri="{FAA26D3D-D897-4be2-8F04-BA451C77F1D7}">
-              <ma14:placeholderFlag xmlns:ma14="http://schemas.microsoft.com/office/mac/drawingml/2011/main" xmlns="" val="1"/>
+              <ma14:placeholderFlag xmlns="" xmlns:ma14="http://schemas.microsoft.com/office/mac/drawingml/2011/main" val="1"/>
             </a:ext>
           </a:extLst>
         </p:spPr>
@@ -8193,7 +8201,7 @@
               </a14:hiddenEffects>
             </a:ext>
             <a:ext uri="{FAA26D3D-D897-4be2-8F04-BA451C77F1D7}">
-              <ma14:placeholderFlag xmlns:ma14="http://schemas.microsoft.com/office/mac/drawingml/2011/main" xmlns="" val="1"/>
+              <ma14:placeholderFlag xmlns="" xmlns:ma14="http://schemas.microsoft.com/office/mac/drawingml/2011/main" val="1"/>
             </a:ext>
           </a:extLst>
         </p:spPr>
@@ -8767,7 +8775,7 @@
               </a14:hiddenEffects>
             </a:ext>
             <a:ext uri="{FAA26D3D-D897-4be2-8F04-BA451C77F1D7}">
-              <ma14:placeholderFlag xmlns:ma14="http://schemas.microsoft.com/office/mac/drawingml/2011/main" xmlns="" val="1"/>
+              <ma14:placeholderFlag xmlns="" xmlns:ma14="http://schemas.microsoft.com/office/mac/drawingml/2011/main" val="1"/>
             </a:ext>
           </a:extLst>
         </p:spPr>
@@ -8840,7 +8848,7 @@
               </a14:hiddenEffects>
             </a:ext>
             <a:ext uri="{FAA26D3D-D897-4be2-8F04-BA451C77F1D7}">
-              <ma14:placeholderFlag xmlns:ma14="http://schemas.microsoft.com/office/mac/drawingml/2011/main" xmlns="" val="1"/>
+              <ma14:placeholderFlag xmlns="" xmlns:ma14="http://schemas.microsoft.com/office/mac/drawingml/2011/main" val="1"/>
             </a:ext>
           </a:extLst>
         </p:spPr>
@@ -8941,7 +8949,7 @@
               </a14:hiddenEffects>
             </a:ext>
             <a:ext uri="{FAA26D3D-D897-4be2-8F04-BA451C77F1D7}">
-              <ma14:placeholderFlag xmlns:ma14="http://schemas.microsoft.com/office/mac/drawingml/2011/main" xmlns="" val="1"/>
+              <ma14:placeholderFlag xmlns="" xmlns:ma14="http://schemas.microsoft.com/office/mac/drawingml/2011/main" val="1"/>
             </a:ext>
           </a:extLst>
         </p:spPr>
@@ -9515,7 +9523,7 @@
               </a14:hiddenEffects>
             </a:ext>
             <a:ext uri="{FAA26D3D-D897-4be2-8F04-BA451C77F1D7}">
-              <ma14:placeholderFlag xmlns:ma14="http://schemas.microsoft.com/office/mac/drawingml/2011/main" xmlns="" val="1"/>
+              <ma14:placeholderFlag xmlns="" xmlns:ma14="http://schemas.microsoft.com/office/mac/drawingml/2011/main" val="1"/>
             </a:ext>
           </a:extLst>
         </p:spPr>
@@ -9588,7 +9596,7 @@
               </a14:hiddenEffects>
             </a:ext>
             <a:ext uri="{FAA26D3D-D897-4be2-8F04-BA451C77F1D7}">
-              <ma14:placeholderFlag xmlns:ma14="http://schemas.microsoft.com/office/mac/drawingml/2011/main" xmlns="" val="1"/>
+              <ma14:placeholderFlag xmlns="" xmlns:ma14="http://schemas.microsoft.com/office/mac/drawingml/2011/main" val="1"/>
             </a:ext>
           </a:extLst>
         </p:spPr>
@@ -10162,7 +10170,7 @@
               </a14:hiddenEffects>
             </a:ext>
             <a:ext uri="{FAA26D3D-D897-4be2-8F04-BA451C77F1D7}">
-              <ma14:placeholderFlag xmlns:ma14="http://schemas.microsoft.com/office/mac/drawingml/2011/main" xmlns="" val="1"/>
+              <ma14:placeholderFlag xmlns="" xmlns:ma14="http://schemas.microsoft.com/office/mac/drawingml/2011/main" val="1"/>
             </a:ext>
           </a:extLst>
         </p:spPr>
@@ -10954,7 +10962,7 @@
 </p:sld>
 </file>
 
-<file path=ppt/slides/slide2.xml><?xml version="1.0" encoding="utf-8"?>
+<file path=ppt/slides/slide10.xml><?xml version="1.0" encoding="utf-8"?>
 <p:sld xmlns:a="http://schemas.openxmlformats.org/drawingml/2006/main" xmlns:r="http://schemas.openxmlformats.org/officeDocument/2006/relationships" xmlns:p="http://schemas.openxmlformats.org/presentationml/2006/main">
   <p:cSld>
     <p:spTree>
@@ -10973,86 +10981,7 @@
       </p:grpSpPr>
       <p:sp>
         <p:nvSpPr>
-          <p:cNvPr id="13313" name="Rectangle 1"/>
-          <p:cNvSpPr>
-            <a:spLocks noGrp="1" noChangeArrowheads="1"/>
-          </p:cNvSpPr>
-          <p:nvPr>
-            <p:ph type="title"/>
-          </p:nvPr>
-        </p:nvSpPr>
-        <p:spPr>
-          <a:xfrm>
-            <a:off x="457200" y="835025"/>
-            <a:ext cx="8229600" cy="760413"/>
-          </a:xfrm>
-        </p:spPr>
-        <p:txBody>
-          <a:bodyPr/>
-          <a:lstStyle/>
-          <a:p>
-            <a:r>
-              <a:rPr lang="fr-CH" altLang="x-none" dirty="0"/>
-              <a:t>Plan de la présentation</a:t>
-            </a:r>
-          </a:p>
-        </p:txBody>
-      </p:sp>
-      <p:sp>
-        <p:nvSpPr>
-          <p:cNvPr id="13314" name="Rectangle 2"/>
-          <p:cNvSpPr>
-            <a:spLocks noGrp="1" noChangeArrowheads="1"/>
-          </p:cNvSpPr>
-          <p:nvPr>
-            <p:ph type="body" idx="1"/>
-          </p:nvPr>
-        </p:nvSpPr>
-        <p:spPr/>
-        <p:txBody>
-          <a:bodyPr/>
-          <a:lstStyle/>
-          <a:p>
-            <a:r>
-              <a:rPr lang="fr-CH" altLang="x-none" dirty="0"/>
-              <a:t>Introduction</a:t>
-            </a:r>
-          </a:p>
-          <a:p>
-            <a:r>
-              <a:rPr lang="fr-CH" altLang="x-none" dirty="0"/>
-              <a:t>Choix technologiques</a:t>
-            </a:r>
-          </a:p>
-          <a:p>
-            <a:r>
-              <a:rPr lang="fr-CH" altLang="x-none" dirty="0"/>
-              <a:t>Synthèse</a:t>
-            </a:r>
-          </a:p>
-          <a:p>
-            <a:r>
-              <a:rPr lang="fr-CH" altLang="x-none" dirty="0"/>
-              <a:t>Conséquence sur la modélisation</a:t>
-            </a:r>
-          </a:p>
-          <a:p>
-            <a:r>
-              <a:rPr lang="fr-CH" altLang="x-none" dirty="0"/>
-              <a:t>Démonstration</a:t>
-            </a:r>
-          </a:p>
-          <a:p>
-            <a:r>
-              <a:rPr lang="fr-CH" altLang="x-none" dirty="0"/>
-              <a:t>Conclusion</a:t>
-            </a:r>
-          </a:p>
-        </p:txBody>
-      </p:sp>
-      <p:sp>
-        <p:nvSpPr>
-          <p:cNvPr id="13315" name="Rectangle 3"/>
+          <p:cNvPr id="16385" name="Rectangle 1"/>
           <p:cNvSpPr>
             <a:spLocks/>
           </p:cNvSpPr>
@@ -11109,14 +11038,14 @@
           <a:lstStyle/>
           <a:p>
             <a:pPr algn="r"/>
-            <a:fld id="{E76071C9-543A-444A-9F9A-12245A942D6D}" type="slidenum">
+            <a:fld id="{5D068350-DA23-C147-9055-A33D7BDE7055}" type="slidenum">
               <a:rPr lang="en-US" altLang="x-none" sz="1200">
                 <a:solidFill>
                   <a:srgbClr val="888888"/>
                 </a:solidFill>
               </a:rPr>
               <a:pPr algn="r"/>
-              <a:t>2</a:t>
+              <a:t>10</a:t>
             </a:fld>
             <a:endParaRPr lang="en-US" altLang="x-none" sz="1200">
               <a:solidFill>
@@ -11135,7 +11064,7 @@
 </p:sld>
 </file>
 
-<file path=ppt/slides/slide3.xml><?xml version="1.0" encoding="utf-8"?>
+<file path=ppt/slides/slide2.xml><?xml version="1.0" encoding="utf-8"?>
 <p:sld xmlns:a="http://schemas.openxmlformats.org/drawingml/2006/main" xmlns:r="http://schemas.openxmlformats.org/officeDocument/2006/relationships" xmlns:p="http://schemas.openxmlformats.org/presentationml/2006/main">
   <p:cSld>
     <p:spTree>
@@ -11174,7 +11103,7 @@
           <a:p>
             <a:r>
               <a:rPr lang="fr-CH" altLang="x-none" dirty="0"/>
-              <a:t>Introduction</a:t>
+              <a:t>Plan de la présentation</a:t>
             </a:r>
           </a:p>
         </p:txBody>
@@ -11196,35 +11125,41 @@
           <a:p>
             <a:r>
               <a:rPr lang="fr-CH" altLang="x-none" dirty="0"/>
-              <a:t>Création d’une plateforme pour réaliser des concours de programmation</a:t>
-            </a:r>
-          </a:p>
-          <a:p>
-            <a:pPr lvl="1"/>
+              <a:t>Introduction</a:t>
+            </a:r>
+          </a:p>
+          <a:p>
             <a:r>
               <a:rPr lang="fr-CH" altLang="x-none" dirty="0"/>
-              <a:t>L’organisateur peut gérer le concours</a:t>
-            </a:r>
-          </a:p>
-          <a:p>
-            <a:pPr lvl="1"/>
+              <a:t>Choix technologiques</a:t>
+            </a:r>
+          </a:p>
+          <a:p>
             <a:r>
               <a:rPr lang="fr-CH" altLang="x-none" dirty="0"/>
-              <a:t>Les joueurs peuvent s’inscrire en équipes</a:t>
-            </a:r>
-          </a:p>
-          <a:p>
-            <a:pPr lvl="1"/>
+              <a:t>Synthèse</a:t>
+            </a:r>
+          </a:p>
+          <a:p>
+            <a:r>
+              <a:rPr lang="fr-CH" altLang="x-none" smtClean="0"/>
+              <a:t>Conséquences sur </a:t>
+            </a:r>
             <a:r>
               <a:rPr lang="fr-CH" altLang="x-none" dirty="0"/>
-              <a:t>Les groupes peuvent soumettre des solutions</a:t>
-            </a:r>
-          </a:p>
-          <a:p>
-            <a:pPr lvl="1"/>
+              <a:t>la modélisation</a:t>
+            </a:r>
+          </a:p>
+          <a:p>
             <a:r>
               <a:rPr lang="fr-CH" altLang="x-none" dirty="0"/>
-              <a:t>L’organisateur peut évaluer les solutions</a:t>
+              <a:t>Démonstration</a:t>
+            </a:r>
+          </a:p>
+          <a:p>
+            <a:r>
+              <a:rPr lang="fr-CH" altLang="x-none" dirty="0"/>
+              <a:t>Conclusion</a:t>
             </a:r>
           </a:p>
         </p:txBody>
@@ -11295,7 +11230,7 @@
                 </a:solidFill>
               </a:rPr>
               <a:pPr algn="r"/>
-              <a:t>3</a:t>
+              <a:t>2</a:t>
             </a:fld>
             <a:endParaRPr lang="en-US" altLang="x-none" sz="1200">
               <a:solidFill>
@@ -11306,11 +11241,6 @@
         </p:txBody>
       </p:sp>
     </p:spTree>
-    <p:extLst>
-      <p:ext uri="{BB962C8B-B14F-4D97-AF65-F5344CB8AC3E}">
-        <p14:creationId xmlns:p14="http://schemas.microsoft.com/office/powerpoint/2010/main" val="1209330831"/>
-      </p:ext>
-    </p:extLst>
   </p:cSld>
   <p:clrMapOvr>
     <a:masterClrMapping/>
@@ -11319,7 +11249,7 @@
 </p:sld>
 </file>
 
-<file path=ppt/slides/slide4.xml><?xml version="1.0" encoding="utf-8"?>
+<file path=ppt/slides/slide3.xml><?xml version="1.0" encoding="utf-8"?>
 <p:sld xmlns:a="http://schemas.openxmlformats.org/drawingml/2006/main" xmlns:r="http://schemas.openxmlformats.org/officeDocument/2006/relationships" xmlns:p="http://schemas.openxmlformats.org/presentationml/2006/main">
   <p:cSld>
     <p:spTree>
@@ -11358,7 +11288,7 @@
           <a:p>
             <a:r>
               <a:rPr lang="fr-CH" altLang="x-none" dirty="0"/>
-              <a:t>Choix technologiques</a:t>
+              <a:t>Introduction</a:t>
             </a:r>
           </a:p>
         </p:txBody>
@@ -11379,10 +11309,37 @@
           <a:lstStyle/>
           <a:p>
             <a:r>
-              <a:rPr lang="fr-CH" altLang="x-none"/>
-              <a:t>C…</a:t>
-            </a:r>
-            <a:endParaRPr lang="fr-CH" altLang="x-none" dirty="0"/>
+              <a:rPr lang="fr-CH" altLang="x-none" dirty="0"/>
+              <a:t>Création d’une plateforme pour réaliser des concours de programmation</a:t>
+            </a:r>
+          </a:p>
+          <a:p>
+            <a:pPr lvl="1"/>
+            <a:r>
+              <a:rPr lang="fr-CH" altLang="x-none" dirty="0"/>
+              <a:t>L’organisateur peut gérer le concours</a:t>
+            </a:r>
+          </a:p>
+          <a:p>
+            <a:pPr lvl="1"/>
+            <a:r>
+              <a:rPr lang="fr-CH" altLang="x-none" dirty="0"/>
+              <a:t>Les joueurs peuvent s’inscrire en équipes</a:t>
+            </a:r>
+          </a:p>
+          <a:p>
+            <a:pPr lvl="1"/>
+            <a:r>
+              <a:rPr lang="fr-CH" altLang="x-none" dirty="0"/>
+              <a:t>Les groupes peuvent soumettre des solutions</a:t>
+            </a:r>
+          </a:p>
+          <a:p>
+            <a:pPr lvl="1"/>
+            <a:r>
+              <a:rPr lang="fr-CH" altLang="x-none" dirty="0"/>
+              <a:t>L’organisateur peut évaluer les solutions</a:t>
+            </a:r>
           </a:p>
         </p:txBody>
       </p:sp>
@@ -11452,7 +11409,7 @@
                 </a:solidFill>
               </a:rPr>
               <a:pPr algn="r"/>
-              <a:t>4</a:t>
+              <a:t>3</a:t>
             </a:fld>
             <a:endParaRPr lang="en-US" altLang="x-none" sz="1200">
               <a:solidFill>
@@ -11465,7 +11422,7 @@
     </p:spTree>
     <p:extLst>
       <p:ext uri="{BB962C8B-B14F-4D97-AF65-F5344CB8AC3E}">
-        <p14:creationId xmlns:p14="http://schemas.microsoft.com/office/powerpoint/2010/main" val="2247963318"/>
+        <p14:creationId xmlns:p14="http://schemas.microsoft.com/office/powerpoint/2010/main" val="1209330831"/>
       </p:ext>
     </p:extLst>
   </p:cSld>
@@ -11476,7 +11433,7 @@
 </p:sld>
 </file>
 
-<file path=ppt/slides/slide5.xml><?xml version="1.0" encoding="utf-8"?>
+<file path=ppt/slides/slide4.xml><?xml version="1.0" encoding="utf-8"?>
 <p:sld xmlns:a="http://schemas.openxmlformats.org/drawingml/2006/main" xmlns:r="http://schemas.openxmlformats.org/officeDocument/2006/relationships" xmlns:p="http://schemas.openxmlformats.org/presentationml/2006/main">
   <p:cSld>
     <p:spTree>
@@ -11495,7 +11452,7 @@
       </p:grpSpPr>
       <p:sp>
         <p:nvSpPr>
-          <p:cNvPr id="14337" name="Rectangle 1"/>
+          <p:cNvPr id="13313" name="Rectangle 1"/>
           <p:cNvSpPr>
             <a:spLocks noGrp="1" noChangeArrowheads="1"/>
           </p:cNvSpPr>
@@ -11514,28 +11471,20 @@
           <a:lstStyle/>
           <a:p>
             <a:r>
-              <a:rPr lang="en-US" altLang="x-none" dirty="0"/>
-              <a:t>Slide </a:t>
-            </a:r>
-            <a:r>
-              <a:rPr lang="en-US" altLang="x-none" dirty="0" err="1"/>
-              <a:t>texte</a:t>
-            </a:r>
-            <a:r>
-              <a:rPr lang="en-US" altLang="x-none" dirty="0"/>
-              <a:t> gauche</a:t>
-            </a:r>
-          </a:p>
-        </p:txBody>
-      </p:sp>
-      <p:sp>
-        <p:nvSpPr>
-          <p:cNvPr id="14338" name="Rectangle 2"/>
+              <a:rPr lang="fr-CH" altLang="x-none" dirty="0"/>
+              <a:t>Choix technologiques</a:t>
+            </a:r>
+          </a:p>
+        </p:txBody>
+      </p:sp>
+      <p:sp>
+        <p:nvSpPr>
+          <p:cNvPr id="13314" name="Rectangle 2"/>
           <p:cNvSpPr>
             <a:spLocks noGrp="1" noChangeArrowheads="1"/>
           </p:cNvSpPr>
           <p:nvPr>
-            <p:ph type="body" sz="half" idx="1"/>
+            <p:ph type="body" idx="1"/>
           </p:nvPr>
         </p:nvSpPr>
         <p:spPr/>
@@ -11543,13 +11492,17 @@
           <a:bodyPr/>
           <a:lstStyle/>
           <a:p>
-            <a:endParaRPr lang="en-US" altLang="x-none"/>
-          </a:p>
-        </p:txBody>
-      </p:sp>
-      <p:sp>
-        <p:nvSpPr>
-          <p:cNvPr id="14339" name="Rectangle 3"/>
+            <a:r>
+              <a:rPr lang="fr-CH" altLang="x-none"/>
+              <a:t>C…</a:t>
+            </a:r>
+            <a:endParaRPr lang="fr-CH" altLang="x-none" dirty="0"/>
+          </a:p>
+        </p:txBody>
+      </p:sp>
+      <p:sp>
+        <p:nvSpPr>
+          <p:cNvPr id="13315" name="Rectangle 3"/>
           <p:cNvSpPr>
             <a:spLocks/>
           </p:cNvSpPr>
@@ -11606,14 +11559,14 @@
           <a:lstStyle/>
           <a:p>
             <a:pPr algn="r"/>
-            <a:fld id="{D661C0F4-6B98-3447-910D-4CF5CE3877F0}" type="slidenum">
+            <a:fld id="{E76071C9-543A-444A-9F9A-12245A942D6D}" type="slidenum">
               <a:rPr lang="en-US" altLang="x-none" sz="1200">
                 <a:solidFill>
                   <a:srgbClr val="888888"/>
                 </a:solidFill>
               </a:rPr>
               <a:pPr algn="r"/>
-              <a:t>5</a:t>
+              <a:t>4</a:t>
             </a:fld>
             <a:endParaRPr lang="en-US" altLang="x-none" sz="1200">
               <a:solidFill>
@@ -11624,6 +11577,11 @@
         </p:txBody>
       </p:sp>
     </p:spTree>
+    <p:extLst>
+      <p:ext uri="{BB962C8B-B14F-4D97-AF65-F5344CB8AC3E}">
+        <p14:creationId xmlns:p14="http://schemas.microsoft.com/office/powerpoint/2010/main" val="2247963318"/>
+      </p:ext>
+    </p:extLst>
   </p:cSld>
   <p:clrMapOvr>
     <a:masterClrMapping/>
@@ -11632,7 +11590,7 @@
 </p:sld>
 </file>
 
-<file path=ppt/slides/slide6.xml><?xml version="1.0" encoding="utf-8"?>
+<file path=ppt/slides/slide5.xml><?xml version="1.0" encoding="utf-8"?>
 <p:sld xmlns:a="http://schemas.openxmlformats.org/drawingml/2006/main" xmlns:r="http://schemas.openxmlformats.org/officeDocument/2006/relationships" xmlns:p="http://schemas.openxmlformats.org/presentationml/2006/main">
   <p:cSld>
     <p:spTree>
@@ -11651,7 +11609,7 @@
       </p:grpSpPr>
       <p:sp>
         <p:nvSpPr>
-          <p:cNvPr id="15361" name="Rectangle 1"/>
+          <p:cNvPr id="13313" name="Rectangle 1"/>
           <p:cNvSpPr>
             <a:spLocks noGrp="1" noChangeArrowheads="1"/>
           </p:cNvSpPr>
@@ -11670,15 +11628,39 @@
           <a:lstStyle/>
           <a:p>
             <a:r>
-              <a:rPr lang="en-US" altLang="x-none"/>
-              <a:t>Slide titre seul</a:t>
-            </a:r>
-          </a:p>
-        </p:txBody>
-      </p:sp>
-      <p:sp>
-        <p:nvSpPr>
-          <p:cNvPr id="15362" name="Rectangle 2"/>
+              <a:rPr lang="fr-CH" altLang="x-none" smtClean="0"/>
+              <a:t>Synthèse</a:t>
+            </a:r>
+            <a:endParaRPr lang="fr-CH" altLang="x-none" dirty="0"/>
+          </a:p>
+        </p:txBody>
+      </p:sp>
+      <p:sp>
+        <p:nvSpPr>
+          <p:cNvPr id="13314" name="Rectangle 2"/>
+          <p:cNvSpPr>
+            <a:spLocks noGrp="1" noChangeArrowheads="1"/>
+          </p:cNvSpPr>
+          <p:nvPr>
+            <p:ph type="body" idx="1"/>
+          </p:nvPr>
+        </p:nvSpPr>
+        <p:spPr/>
+        <p:txBody>
+          <a:bodyPr/>
+          <a:lstStyle/>
+          <a:p>
+            <a:r>
+              <a:rPr lang="fr-CH" altLang="x-none"/>
+              <a:t>C…</a:t>
+            </a:r>
+            <a:endParaRPr lang="fr-CH" altLang="x-none" dirty="0"/>
+          </a:p>
+        </p:txBody>
+      </p:sp>
+      <p:sp>
+        <p:nvSpPr>
+          <p:cNvPr id="13315" name="Rectangle 3"/>
           <p:cNvSpPr>
             <a:spLocks/>
           </p:cNvSpPr>
@@ -11735,14 +11717,14 @@
           <a:lstStyle/>
           <a:p>
             <a:pPr algn="r"/>
-            <a:fld id="{53FCE6B1-E5BC-FF46-BA0D-D38334E31238}" type="slidenum">
+            <a:fld id="{E76071C9-543A-444A-9F9A-12245A942D6D}" type="slidenum">
               <a:rPr lang="en-US" altLang="x-none" sz="1200">
                 <a:solidFill>
                   <a:srgbClr val="888888"/>
                 </a:solidFill>
               </a:rPr>
               <a:pPr algn="r"/>
-              <a:t>6</a:t>
+              <a:t>5</a:t>
             </a:fld>
             <a:endParaRPr lang="en-US" altLang="x-none" sz="1200">
               <a:solidFill>
@@ -11753,6 +11735,11 @@
         </p:txBody>
       </p:sp>
     </p:spTree>
+    <p:extLst>
+      <p:ext uri="{BB962C8B-B14F-4D97-AF65-F5344CB8AC3E}">
+        <p14:creationId xmlns:p14="http://schemas.microsoft.com/office/powerpoint/2010/main" val="482800242"/>
+      </p:ext>
+    </p:extLst>
   </p:cSld>
   <p:clrMapOvr>
     <a:masterClrMapping/>
@@ -11761,7 +11748,7 @@
 </p:sld>
 </file>
 
-<file path=ppt/slides/slide7.xml><?xml version="1.0" encoding="utf-8"?>
+<file path=ppt/slides/slide6.xml><?xml version="1.0" encoding="utf-8"?>
 <p:sld xmlns:a="http://schemas.openxmlformats.org/drawingml/2006/main" xmlns:r="http://schemas.openxmlformats.org/officeDocument/2006/relationships" xmlns:p="http://schemas.openxmlformats.org/presentationml/2006/main">
   <p:cSld>
     <p:spTree>
@@ -11780,7 +11767,58 @@
       </p:grpSpPr>
       <p:sp>
         <p:nvSpPr>
-          <p:cNvPr id="16385" name="Rectangle 1"/>
+          <p:cNvPr id="13313" name="Rectangle 1"/>
+          <p:cNvSpPr>
+            <a:spLocks noGrp="1" noChangeArrowheads="1"/>
+          </p:cNvSpPr>
+          <p:nvPr>
+            <p:ph type="title"/>
+          </p:nvPr>
+        </p:nvSpPr>
+        <p:spPr>
+          <a:xfrm>
+            <a:off x="0" y="835025"/>
+            <a:ext cx="9144000" cy="760413"/>
+          </a:xfrm>
+        </p:spPr>
+        <p:txBody>
+          <a:bodyPr/>
+          <a:lstStyle/>
+          <a:p>
+            <a:r>
+              <a:rPr lang="fr-CH" altLang="x-none" smtClean="0"/>
+              <a:t>Conséquences sur la modélisation</a:t>
+            </a:r>
+            <a:endParaRPr lang="fr-CH" altLang="x-none" dirty="0"/>
+          </a:p>
+        </p:txBody>
+      </p:sp>
+      <p:sp>
+        <p:nvSpPr>
+          <p:cNvPr id="13314" name="Rectangle 2"/>
+          <p:cNvSpPr>
+            <a:spLocks noGrp="1" noChangeArrowheads="1"/>
+          </p:cNvSpPr>
+          <p:nvPr>
+            <p:ph type="body" idx="1"/>
+          </p:nvPr>
+        </p:nvSpPr>
+        <p:spPr/>
+        <p:txBody>
+          <a:bodyPr/>
+          <a:lstStyle/>
+          <a:p>
+            <a:r>
+              <a:rPr lang="fr-CH" altLang="x-none"/>
+              <a:t>C…</a:t>
+            </a:r>
+            <a:endParaRPr lang="fr-CH" altLang="x-none" dirty="0"/>
+          </a:p>
+        </p:txBody>
+      </p:sp>
+      <p:sp>
+        <p:nvSpPr>
+          <p:cNvPr id="13315" name="Rectangle 3"/>
           <p:cNvSpPr>
             <a:spLocks/>
           </p:cNvSpPr>
@@ -11837,7 +11875,165 @@
           <a:lstStyle/>
           <a:p>
             <a:pPr algn="r"/>
-            <a:fld id="{5D068350-DA23-C147-9055-A33D7BDE7055}" type="slidenum">
+            <a:fld id="{E76071C9-543A-444A-9F9A-12245A942D6D}" type="slidenum">
+              <a:rPr lang="en-US" altLang="x-none" sz="1200">
+                <a:solidFill>
+                  <a:srgbClr val="888888"/>
+                </a:solidFill>
+              </a:rPr>
+              <a:pPr algn="r"/>
+              <a:t>6</a:t>
+            </a:fld>
+            <a:endParaRPr lang="en-US" altLang="x-none" sz="1200">
+              <a:solidFill>
+                <a:srgbClr val="888888"/>
+              </a:solidFill>
+            </a:endParaRPr>
+          </a:p>
+        </p:txBody>
+      </p:sp>
+    </p:spTree>
+    <p:extLst>
+      <p:ext uri="{BB962C8B-B14F-4D97-AF65-F5344CB8AC3E}">
+        <p14:creationId xmlns:p14="http://schemas.microsoft.com/office/powerpoint/2010/main" val="3095628562"/>
+      </p:ext>
+    </p:extLst>
+  </p:cSld>
+  <p:clrMapOvr>
+    <a:masterClrMapping/>
+  </p:clrMapOvr>
+  <p:transition spd="med"/>
+</p:sld>
+</file>
+
+<file path=ppt/slides/slide7.xml><?xml version="1.0" encoding="utf-8"?>
+<p:sld xmlns:a="http://schemas.openxmlformats.org/drawingml/2006/main" xmlns:r="http://schemas.openxmlformats.org/officeDocument/2006/relationships" xmlns:p="http://schemas.openxmlformats.org/presentationml/2006/main">
+  <p:cSld>
+    <p:spTree>
+      <p:nvGrpSpPr>
+        <p:cNvPr id="1" name=""/>
+        <p:cNvGrpSpPr/>
+        <p:nvPr/>
+      </p:nvGrpSpPr>
+      <p:grpSpPr>
+        <a:xfrm>
+          <a:off x="0" y="0"/>
+          <a:ext cx="0" cy="0"/>
+          <a:chOff x="0" y="0"/>
+          <a:chExt cx="0" cy="0"/>
+        </a:xfrm>
+      </p:grpSpPr>
+      <p:sp>
+        <p:nvSpPr>
+          <p:cNvPr id="13313" name="Rectangle 1"/>
+          <p:cNvSpPr>
+            <a:spLocks noGrp="1" noChangeArrowheads="1"/>
+          </p:cNvSpPr>
+          <p:nvPr>
+            <p:ph type="title"/>
+          </p:nvPr>
+        </p:nvSpPr>
+        <p:spPr>
+          <a:xfrm>
+            <a:off x="0" y="835025"/>
+            <a:ext cx="9144000" cy="760413"/>
+          </a:xfrm>
+        </p:spPr>
+        <p:txBody>
+          <a:bodyPr/>
+          <a:lstStyle/>
+          <a:p>
+            <a:r>
+              <a:rPr lang="fr-CH" altLang="x-none" smtClean="0"/>
+              <a:t>Démonstration</a:t>
+            </a:r>
+            <a:endParaRPr lang="fr-CH" altLang="x-none" dirty="0"/>
+          </a:p>
+        </p:txBody>
+      </p:sp>
+      <p:sp>
+        <p:nvSpPr>
+          <p:cNvPr id="13314" name="Rectangle 2"/>
+          <p:cNvSpPr>
+            <a:spLocks noGrp="1" noChangeArrowheads="1"/>
+          </p:cNvSpPr>
+          <p:nvPr>
+            <p:ph type="body" idx="1"/>
+          </p:nvPr>
+        </p:nvSpPr>
+        <p:spPr/>
+        <p:txBody>
+          <a:bodyPr/>
+          <a:lstStyle/>
+          <a:p>
+            <a:r>
+              <a:rPr lang="fr-CH" altLang="x-none"/>
+              <a:t>C…</a:t>
+            </a:r>
+            <a:endParaRPr lang="fr-CH" altLang="x-none" dirty="0"/>
+          </a:p>
+        </p:txBody>
+      </p:sp>
+      <p:sp>
+        <p:nvSpPr>
+          <p:cNvPr id="13315" name="Rectangle 3"/>
+          <p:cNvSpPr>
+            <a:spLocks/>
+          </p:cNvSpPr>
+          <p:nvPr/>
+        </p:nvSpPr>
+        <p:spPr bwMode="auto">
+          <a:xfrm>
+            <a:off x="8421688" y="6403975"/>
+            <a:ext cx="265112" cy="268288"/>
+          </a:xfrm>
+          <a:prstGeom prst="rect">
+            <a:avLst/>
+          </a:prstGeom>
+          <a:noFill/>
+          <a:ln>
+            <a:noFill/>
+          </a:ln>
+          <a:effectLst/>
+          <a:extLst>
+            <a:ext uri="{909E8E84-426E-40DD-AFC4-6F175D3DCCD1}">
+              <a14:hiddenFill xmlns:a14="http://schemas.microsoft.com/office/drawing/2010/main">
+                <a:solidFill>
+                  <a:srgbClr val="FFFFFF"/>
+                </a:solidFill>
+              </a14:hiddenFill>
+            </a:ext>
+            <a:ext uri="{91240B29-F687-4F45-9708-019B960494DF}">
+              <a14:hiddenLine xmlns:a14="http://schemas.microsoft.com/office/drawing/2010/main" w="12700">
+                <a:solidFill>
+                  <a:srgbClr val="000000"/>
+                </a:solidFill>
+                <a:miter lim="400000"/>
+                <a:headEnd/>
+                <a:tailEnd/>
+              </a14:hiddenLine>
+            </a:ext>
+            <a:ext uri="{AF507438-7753-43E0-B8FC-AC1667EBCBE1}">
+              <a14:hiddenEffects xmlns:a14="http://schemas.microsoft.com/office/drawing/2010/main">
+                <a:effectLst>
+                  <a:outerShdw blurRad="63500" dist="38099" dir="2700000" algn="ctr" rotWithShape="0">
+                    <a:srgbClr val="000000">
+                      <a:alpha val="74998"/>
+                    </a:srgbClr>
+                  </a:outerShdw>
+                </a:effectLst>
+              </a14:hiddenEffects>
+            </a:ext>
+          </a:extLst>
+        </p:spPr>
+        <p:txBody>
+          <a:bodyPr wrap="none" lIns="45720" rIns="45720" anchor="ctr">
+            <a:spAutoFit/>
+          </a:bodyPr>
+          <a:lstStyle/>
+          <a:p>
+            <a:pPr algn="r"/>
+            <a:fld id="{E76071C9-543A-444A-9F9A-12245A942D6D}" type="slidenum">
               <a:rPr lang="en-US" altLang="x-none" sz="1200">
                 <a:solidFill>
                   <a:srgbClr val="888888"/>
@@ -11845,6 +12041,296 @@
               </a:rPr>
               <a:pPr algn="r"/>
               <a:t>7</a:t>
+            </a:fld>
+            <a:endParaRPr lang="en-US" altLang="x-none" sz="1200">
+              <a:solidFill>
+                <a:srgbClr val="888888"/>
+              </a:solidFill>
+            </a:endParaRPr>
+          </a:p>
+        </p:txBody>
+      </p:sp>
+    </p:spTree>
+    <p:extLst>
+      <p:ext uri="{BB962C8B-B14F-4D97-AF65-F5344CB8AC3E}">
+        <p14:creationId xmlns:p14="http://schemas.microsoft.com/office/powerpoint/2010/main" val="104236356"/>
+      </p:ext>
+    </p:extLst>
+  </p:cSld>
+  <p:clrMapOvr>
+    <a:masterClrMapping/>
+  </p:clrMapOvr>
+  <p:transition spd="med"/>
+</p:sld>
+</file>
+
+<file path=ppt/slides/slide8.xml><?xml version="1.0" encoding="utf-8"?>
+<p:sld xmlns:a="http://schemas.openxmlformats.org/drawingml/2006/main" xmlns:r="http://schemas.openxmlformats.org/officeDocument/2006/relationships" xmlns:p="http://schemas.openxmlformats.org/presentationml/2006/main">
+  <p:cSld>
+    <p:spTree>
+      <p:nvGrpSpPr>
+        <p:cNvPr id="1" name=""/>
+        <p:cNvGrpSpPr/>
+        <p:nvPr/>
+      </p:nvGrpSpPr>
+      <p:grpSpPr>
+        <a:xfrm>
+          <a:off x="0" y="0"/>
+          <a:ext cx="0" cy="0"/>
+          <a:chOff x="0" y="0"/>
+          <a:chExt cx="0" cy="0"/>
+        </a:xfrm>
+      </p:grpSpPr>
+      <p:sp>
+        <p:nvSpPr>
+          <p:cNvPr id="14337" name="Rectangle 1"/>
+          <p:cNvSpPr>
+            <a:spLocks noGrp="1" noChangeArrowheads="1"/>
+          </p:cNvSpPr>
+          <p:nvPr>
+            <p:ph type="title"/>
+          </p:nvPr>
+        </p:nvSpPr>
+        <p:spPr>
+          <a:xfrm>
+            <a:off x="457200" y="835025"/>
+            <a:ext cx="8229600" cy="760413"/>
+          </a:xfrm>
+        </p:spPr>
+        <p:txBody>
+          <a:bodyPr/>
+          <a:lstStyle/>
+          <a:p>
+            <a:r>
+              <a:rPr lang="en-US" altLang="x-none" dirty="0"/>
+              <a:t>Slide </a:t>
+            </a:r>
+            <a:r>
+              <a:rPr lang="en-US" altLang="x-none" dirty="0" err="1"/>
+              <a:t>texte</a:t>
+            </a:r>
+            <a:r>
+              <a:rPr lang="en-US" altLang="x-none" dirty="0"/>
+              <a:t> gauche</a:t>
+            </a:r>
+          </a:p>
+        </p:txBody>
+      </p:sp>
+      <p:sp>
+        <p:nvSpPr>
+          <p:cNvPr id="14338" name="Rectangle 2"/>
+          <p:cNvSpPr>
+            <a:spLocks noGrp="1" noChangeArrowheads="1"/>
+          </p:cNvSpPr>
+          <p:nvPr>
+            <p:ph type="body" sz="half" idx="1"/>
+          </p:nvPr>
+        </p:nvSpPr>
+        <p:spPr/>
+        <p:txBody>
+          <a:bodyPr/>
+          <a:lstStyle/>
+          <a:p>
+            <a:endParaRPr lang="en-US" altLang="x-none"/>
+          </a:p>
+        </p:txBody>
+      </p:sp>
+      <p:sp>
+        <p:nvSpPr>
+          <p:cNvPr id="14339" name="Rectangle 3"/>
+          <p:cNvSpPr>
+            <a:spLocks/>
+          </p:cNvSpPr>
+          <p:nvPr/>
+        </p:nvSpPr>
+        <p:spPr bwMode="auto">
+          <a:xfrm>
+            <a:off x="8421688" y="6403975"/>
+            <a:ext cx="265112" cy="268288"/>
+          </a:xfrm>
+          <a:prstGeom prst="rect">
+            <a:avLst/>
+          </a:prstGeom>
+          <a:noFill/>
+          <a:ln>
+            <a:noFill/>
+          </a:ln>
+          <a:effectLst/>
+          <a:extLst>
+            <a:ext uri="{909E8E84-426E-40DD-AFC4-6F175D3DCCD1}">
+              <a14:hiddenFill xmlns:a14="http://schemas.microsoft.com/office/drawing/2010/main">
+                <a:solidFill>
+                  <a:srgbClr val="FFFFFF"/>
+                </a:solidFill>
+              </a14:hiddenFill>
+            </a:ext>
+            <a:ext uri="{91240B29-F687-4F45-9708-019B960494DF}">
+              <a14:hiddenLine xmlns:a14="http://schemas.microsoft.com/office/drawing/2010/main" w="12700">
+                <a:solidFill>
+                  <a:srgbClr val="000000"/>
+                </a:solidFill>
+                <a:miter lim="400000"/>
+                <a:headEnd/>
+                <a:tailEnd/>
+              </a14:hiddenLine>
+            </a:ext>
+            <a:ext uri="{AF507438-7753-43E0-B8FC-AC1667EBCBE1}">
+              <a14:hiddenEffects xmlns:a14="http://schemas.microsoft.com/office/drawing/2010/main">
+                <a:effectLst>
+                  <a:outerShdw blurRad="63500" dist="38099" dir="2700000" algn="ctr" rotWithShape="0">
+                    <a:srgbClr val="000000">
+                      <a:alpha val="74998"/>
+                    </a:srgbClr>
+                  </a:outerShdw>
+                </a:effectLst>
+              </a14:hiddenEffects>
+            </a:ext>
+          </a:extLst>
+        </p:spPr>
+        <p:txBody>
+          <a:bodyPr wrap="none" lIns="45720" rIns="45720" anchor="ctr">
+            <a:spAutoFit/>
+          </a:bodyPr>
+          <a:lstStyle/>
+          <a:p>
+            <a:pPr algn="r"/>
+            <a:fld id="{D661C0F4-6B98-3447-910D-4CF5CE3877F0}" type="slidenum">
+              <a:rPr lang="en-US" altLang="x-none" sz="1200">
+                <a:solidFill>
+                  <a:srgbClr val="888888"/>
+                </a:solidFill>
+              </a:rPr>
+              <a:pPr algn="r"/>
+              <a:t>8</a:t>
+            </a:fld>
+            <a:endParaRPr lang="en-US" altLang="x-none" sz="1200">
+              <a:solidFill>
+                <a:srgbClr val="888888"/>
+              </a:solidFill>
+            </a:endParaRPr>
+          </a:p>
+        </p:txBody>
+      </p:sp>
+    </p:spTree>
+  </p:cSld>
+  <p:clrMapOvr>
+    <a:masterClrMapping/>
+  </p:clrMapOvr>
+  <p:transition spd="med"/>
+</p:sld>
+</file>
+
+<file path=ppt/slides/slide9.xml><?xml version="1.0" encoding="utf-8"?>
+<p:sld xmlns:a="http://schemas.openxmlformats.org/drawingml/2006/main" xmlns:r="http://schemas.openxmlformats.org/officeDocument/2006/relationships" xmlns:p="http://schemas.openxmlformats.org/presentationml/2006/main">
+  <p:cSld>
+    <p:spTree>
+      <p:nvGrpSpPr>
+        <p:cNvPr id="1" name=""/>
+        <p:cNvGrpSpPr/>
+        <p:nvPr/>
+      </p:nvGrpSpPr>
+      <p:grpSpPr>
+        <a:xfrm>
+          <a:off x="0" y="0"/>
+          <a:ext cx="0" cy="0"/>
+          <a:chOff x="0" y="0"/>
+          <a:chExt cx="0" cy="0"/>
+        </a:xfrm>
+      </p:grpSpPr>
+      <p:sp>
+        <p:nvSpPr>
+          <p:cNvPr id="15361" name="Rectangle 1"/>
+          <p:cNvSpPr>
+            <a:spLocks noGrp="1" noChangeArrowheads="1"/>
+          </p:cNvSpPr>
+          <p:nvPr>
+            <p:ph type="title"/>
+          </p:nvPr>
+        </p:nvSpPr>
+        <p:spPr>
+          <a:xfrm>
+            <a:off x="457200" y="835025"/>
+            <a:ext cx="8229600" cy="760413"/>
+          </a:xfrm>
+        </p:spPr>
+        <p:txBody>
+          <a:bodyPr/>
+          <a:lstStyle/>
+          <a:p>
+            <a:r>
+              <a:rPr lang="en-US" altLang="x-none"/>
+              <a:t>Slide titre seul</a:t>
+            </a:r>
+          </a:p>
+        </p:txBody>
+      </p:sp>
+      <p:sp>
+        <p:nvSpPr>
+          <p:cNvPr id="15362" name="Rectangle 2"/>
+          <p:cNvSpPr>
+            <a:spLocks/>
+          </p:cNvSpPr>
+          <p:nvPr/>
+        </p:nvSpPr>
+        <p:spPr bwMode="auto">
+          <a:xfrm>
+            <a:off x="8421688" y="6403975"/>
+            <a:ext cx="265112" cy="268288"/>
+          </a:xfrm>
+          <a:prstGeom prst="rect">
+            <a:avLst/>
+          </a:prstGeom>
+          <a:noFill/>
+          <a:ln>
+            <a:noFill/>
+          </a:ln>
+          <a:effectLst/>
+          <a:extLst>
+            <a:ext uri="{909E8E84-426E-40DD-AFC4-6F175D3DCCD1}">
+              <a14:hiddenFill xmlns:a14="http://schemas.microsoft.com/office/drawing/2010/main">
+                <a:solidFill>
+                  <a:srgbClr val="FFFFFF"/>
+                </a:solidFill>
+              </a14:hiddenFill>
+            </a:ext>
+            <a:ext uri="{91240B29-F687-4F45-9708-019B960494DF}">
+              <a14:hiddenLine xmlns:a14="http://schemas.microsoft.com/office/drawing/2010/main" w="12700">
+                <a:solidFill>
+                  <a:srgbClr val="000000"/>
+                </a:solidFill>
+                <a:miter lim="400000"/>
+                <a:headEnd/>
+                <a:tailEnd/>
+              </a14:hiddenLine>
+            </a:ext>
+            <a:ext uri="{AF507438-7753-43E0-B8FC-AC1667EBCBE1}">
+              <a14:hiddenEffects xmlns:a14="http://schemas.microsoft.com/office/drawing/2010/main">
+                <a:effectLst>
+                  <a:outerShdw blurRad="63500" dist="38099" dir="2700000" algn="ctr" rotWithShape="0">
+                    <a:srgbClr val="000000">
+                      <a:alpha val="74998"/>
+                    </a:srgbClr>
+                  </a:outerShdw>
+                </a:effectLst>
+              </a14:hiddenEffects>
+            </a:ext>
+          </a:extLst>
+        </p:spPr>
+        <p:txBody>
+          <a:bodyPr wrap="none" lIns="45720" rIns="45720" anchor="ctr">
+            <a:spAutoFit/>
+          </a:bodyPr>
+          <a:lstStyle/>
+          <a:p>
+            <a:pPr algn="r"/>
+            <a:fld id="{53FCE6B1-E5BC-FF46-BA0D-D38334E31238}" type="slidenum">
+              <a:rPr lang="en-US" altLang="x-none" sz="1200">
+                <a:solidFill>
+                  <a:srgbClr val="888888"/>
+                </a:solidFill>
+              </a:rPr>
+              <a:pPr algn="r"/>
+              <a:t>9</a:t>
             </a:fld>
             <a:endParaRPr lang="en-US" altLang="x-none" sz="1200">
               <a:solidFill>
